--- a/Orientaition/Navigating-the-World-of-Machine-Learning-and-Deep-Learning.pptx
+++ b/Orientaition/Navigating-the-World-of-Machine-Learning-and-Deep-Learning.pptx
@@ -23,10 +23,13 @@
       <p:font typeface="Roboto" panose="02000000000000000000" pitchFamily="2" charset="0"/>
       <p:regular r:id="rId10"/>
       <p:bold r:id="rId11"/>
+      <p:italic r:id="rId12"/>
+      <p:boldItalic r:id="rId13"/>
     </p:embeddedFont>
     <p:embeddedFont>
       <p:font typeface="Roboto Slab" pitchFamily="2" charset="0"/>
-      <p:regular r:id="rId12"/>
+      <p:regular r:id="rId14"/>
+      <p:bold r:id="rId15"/>
     </p:embeddedFont>
   </p:embeddedFontLst>
   <p:defaultTextStyle>
@@ -2106,48 +2109,6 @@
           </a:prstGeom>
         </p:spPr>
       </p:pic>
-      <p:sp>
-        <p:nvSpPr>
-          <p:cNvPr id="7" name="Text 3"/>
-          <p:cNvSpPr/>
-          <p:nvPr/>
-        </p:nvSpPr>
-        <p:spPr>
-          <a:xfrm>
-            <a:off x="1270040" y="8812173"/>
-            <a:ext cx="1476732" cy="396835"/>
-          </a:xfrm>
-          <a:prstGeom prst="rect">
-            <a:avLst/>
-          </a:prstGeom>
-          <a:noFill/>
-          <a:ln/>
-        </p:spPr>
-        <p:txBody>
-          <a:bodyPr wrap="none" lIns="0" tIns="0" rIns="0" bIns="0" rtlCol="0" anchor="t"/>
-          <a:lstStyle/>
-          <a:p>
-            <a:pPr marL="0" indent="0" algn="l">
-              <a:lnSpc>
-                <a:spcPts val="3100"/>
-              </a:lnSpc>
-              <a:buNone/>
-            </a:pPr>
-            <a:r>
-              <a:rPr lang="en-US" sz="2200" b="1" dirty="0">
-                <a:solidFill>
-                  <a:srgbClr val="D6E5EF"/>
-                </a:solidFill>
-                <a:latin typeface="Roboto Bold" pitchFamily="34" charset="0"/>
-                <a:ea typeface="Roboto Bold" pitchFamily="34" charset="-122"/>
-                <a:cs typeface="Roboto Bold" pitchFamily="34" charset="-120"/>
-              </a:rPr>
-              <a:t>작성자: june</a:t>
-            </a:r>
-            <a:endParaRPr lang="en-US" sz="2200" dirty="0"/>
-          </a:p>
-        </p:txBody>
-      </p:sp>
     </p:spTree>
   </p:cSld>
   <p:clrMapOvr>
@@ -3506,6 +3467,14 @@
 <file path=ppt/slides/slide5.xml><?xml version="1.0" encoding="utf-8"?>
 <p:sld xmlns:a="http://schemas.openxmlformats.org/drawingml/2006/main" xmlns:r="http://schemas.openxmlformats.org/officeDocument/2006/relationships" xmlns:p="http://schemas.openxmlformats.org/presentationml/2006/main">
   <p:cSld name="Slide 5">
+    <p:bg>
+      <p:bgPr>
+        <a:solidFill>
+          <a:schemeClr val="accent1"/>
+        </a:solidFill>
+        <a:effectLst/>
+      </p:bgPr>
+    </p:bg>
     <p:spTree>
       <p:nvGrpSpPr>
         <p:cNvPr id="1" name=""/>

--- a/Orientaition/Navigating-the-World-of-Machine-Learning-and-Deep-Learning.pptx
+++ b/Orientaition/Navigating-the-World-of-Machine-Learning-and-Deep-Learning.pptx
@@ -2019,8 +2019,8 @@
         </p:nvSpPr>
         <p:spPr>
           <a:xfrm>
-            <a:off x="793790" y="6016704"/>
-            <a:ext cx="7556421" cy="2540318"/>
+            <a:off x="565338" y="6139332"/>
+            <a:ext cx="8181768" cy="2540318"/>
           </a:xfrm>
           <a:prstGeom prst="rect">
             <a:avLst/>
@@ -2047,7 +2047,26 @@
                 <a:ea typeface="Roboto" pitchFamily="34" charset="-122"/>
                 <a:cs typeface="Roboto" pitchFamily="34" charset="-120"/>
               </a:rPr>
-              <a:t>Embarking on a journey through the intricate landscapes of machine learning and deep learning can feel like entering a vast and uncharted territory. This presentation serves as your guide, illuminating the fundamental concepts, key techniques, and essential algorithms that form the foundation of these transformative technologies. Through this exploration, you'll gain a comprehensive understanding of the power and potential that lies within these fields.</a:t>
+              <a:t>This presentation serves as your guide, illuminating the fundamental concepts, key techniques, and essential algorithms that form the foundation of these </a:t>
+            </a:r>
+          </a:p>
+          <a:p>
+            <a:pPr marL="0" indent="0">
+              <a:lnSpc>
+                <a:spcPts val="2850"/>
+              </a:lnSpc>
+              <a:buNone/>
+            </a:pPr>
+            <a:r>
+              <a:rPr lang="en-US" sz="1750" dirty="0">
+                <a:solidFill>
+                  <a:srgbClr val="D6E5EF"/>
+                </a:solidFill>
+                <a:latin typeface="Roboto" pitchFamily="34" charset="0"/>
+                <a:ea typeface="Roboto" pitchFamily="34" charset="-122"/>
+                <a:cs typeface="Roboto" pitchFamily="34" charset="-120"/>
+              </a:rPr>
+              <a:t>transformative technologies. Through this exploration, you'll gain a comprehensive understanding of the power and potential that lies within these fields.</a:t>
             </a:r>
             <a:endParaRPr lang="en-US" sz="1750" dirty="0"/>
           </a:p>
@@ -2109,6 +2128,53 @@
           </a:prstGeom>
         </p:spPr>
       </p:pic>
+      <p:sp>
+        <p:nvSpPr>
+          <p:cNvPr id="7" name="Text 1">
+            <a:extLst>
+              <a:ext uri="{FF2B5EF4-FFF2-40B4-BE49-F238E27FC236}">
+                <a16:creationId xmlns:a16="http://schemas.microsoft.com/office/drawing/2014/main" id="{5A154AFD-F218-A968-00D6-A24B7AA517FD}"/>
+              </a:ext>
+            </a:extLst>
+          </p:cNvPr>
+          <p:cNvSpPr/>
+          <p:nvPr/>
+        </p:nvSpPr>
+        <p:spPr>
+          <a:xfrm>
+            <a:off x="1253067" y="8796601"/>
+            <a:ext cx="5372620" cy="412526"/>
+          </a:xfrm>
+          <a:prstGeom prst="rect">
+            <a:avLst/>
+          </a:prstGeom>
+          <a:noFill/>
+          <a:ln/>
+        </p:spPr>
+        <p:txBody>
+          <a:bodyPr wrap="square" lIns="0" tIns="0" rIns="0" bIns="0" rtlCol="0" anchor="t"/>
+          <a:lstStyle/>
+          <a:p>
+            <a:pPr marL="0" indent="0">
+              <a:lnSpc>
+                <a:spcPts val="2850"/>
+              </a:lnSpc>
+              <a:buNone/>
+            </a:pPr>
+            <a:r>
+              <a:rPr lang="en-US" sz="1750" dirty="0">
+                <a:solidFill>
+                  <a:srgbClr val="D6E5EF"/>
+                </a:solidFill>
+                <a:latin typeface="Roboto" pitchFamily="34" charset="0"/>
+                <a:ea typeface="Roboto" pitchFamily="34" charset="-122"/>
+              </a:rPr>
+              <a:t>June</a:t>
+            </a:r>
+            <a:endParaRPr lang="en-US" sz="1750" dirty="0"/>
+          </a:p>
+        </p:txBody>
+      </p:sp>
     </p:spTree>
   </p:cSld>
   <p:clrMapOvr>
@@ -2280,7 +2346,7 @@
         <p:spPr>
           <a:xfrm>
             <a:off x="1020604" y="3674626"/>
-            <a:ext cx="3211235" cy="2903220"/>
+            <a:ext cx="3254834" cy="2903220"/>
           </a:xfrm>
           <a:prstGeom prst="rect">
             <a:avLst/>
@@ -2307,7 +2373,102 @@
                 <a:ea typeface="Roboto" pitchFamily="34" charset="-122"/>
                 <a:cs typeface="Roboto" pitchFamily="34" charset="-120"/>
               </a:rPr>
-              <a:t>Machine learning empowers computers to learn from data without explicit programming. Instead of relying on predefined rules, algorithms identify patterns and make predictions based on the information they are fed.</a:t>
+              <a:t>Machine learning empowers </a:t>
+            </a:r>
+          </a:p>
+          <a:p>
+            <a:pPr marL="0" indent="0">
+              <a:lnSpc>
+                <a:spcPts val="2850"/>
+              </a:lnSpc>
+              <a:buNone/>
+            </a:pPr>
+            <a:r>
+              <a:rPr lang="en-US" sz="1750" dirty="0">
+                <a:solidFill>
+                  <a:srgbClr val="D6E5EF"/>
+                </a:solidFill>
+                <a:latin typeface="Roboto" pitchFamily="34" charset="0"/>
+                <a:ea typeface="Roboto" pitchFamily="34" charset="-122"/>
+                <a:cs typeface="Roboto" pitchFamily="34" charset="-120"/>
+              </a:rPr>
+              <a:t>computers to learn from data </a:t>
+            </a:r>
+          </a:p>
+          <a:p>
+            <a:pPr marL="0" indent="0">
+              <a:lnSpc>
+                <a:spcPts val="2850"/>
+              </a:lnSpc>
+              <a:buNone/>
+            </a:pPr>
+            <a:r>
+              <a:rPr lang="en-US" sz="1750" dirty="0">
+                <a:solidFill>
+                  <a:srgbClr val="D6E5EF"/>
+                </a:solidFill>
+                <a:latin typeface="Roboto" pitchFamily="34" charset="0"/>
+                <a:ea typeface="Roboto" pitchFamily="34" charset="-122"/>
+                <a:cs typeface="Roboto" pitchFamily="34" charset="-120"/>
+              </a:rPr>
+              <a:t>without explicit programming. </a:t>
+            </a:r>
+          </a:p>
+          <a:p>
+            <a:pPr marL="0" indent="0">
+              <a:lnSpc>
+                <a:spcPts val="2850"/>
+              </a:lnSpc>
+              <a:buNone/>
+            </a:pPr>
+            <a:r>
+              <a:rPr lang="en-US" sz="1750" dirty="0">
+                <a:solidFill>
+                  <a:srgbClr val="D6E5EF"/>
+                </a:solidFill>
+                <a:latin typeface="Roboto" pitchFamily="34" charset="0"/>
+                <a:ea typeface="Roboto" pitchFamily="34" charset="-122"/>
+                <a:cs typeface="Roboto" pitchFamily="34" charset="-120"/>
+              </a:rPr>
+              <a:t>Instead of relying on predefined </a:t>
+            </a:r>
+          </a:p>
+          <a:p>
+            <a:pPr marL="0" indent="0">
+              <a:lnSpc>
+                <a:spcPts val="2850"/>
+              </a:lnSpc>
+              <a:buNone/>
+            </a:pPr>
+            <a:r>
+              <a:rPr lang="en-US" sz="1750" dirty="0">
+                <a:solidFill>
+                  <a:srgbClr val="D6E5EF"/>
+                </a:solidFill>
+                <a:latin typeface="Roboto" pitchFamily="34" charset="0"/>
+                <a:ea typeface="Roboto" pitchFamily="34" charset="-122"/>
+                <a:cs typeface="Roboto" pitchFamily="34" charset="-120"/>
+              </a:rPr>
+              <a:t>rules, algorithms identify pattern and make predictions based on </a:t>
+            </a:r>
+          </a:p>
+          <a:p>
+            <a:pPr marL="0" indent="0">
+              <a:lnSpc>
+                <a:spcPts val="2850"/>
+              </a:lnSpc>
+              <a:buNone/>
+            </a:pPr>
+            <a:r>
+              <a:rPr lang="en-US" sz="1750" dirty="0">
+                <a:solidFill>
+                  <a:srgbClr val="D6E5EF"/>
+                </a:solidFill>
+                <a:latin typeface="Roboto" pitchFamily="34" charset="0"/>
+                <a:ea typeface="Roboto" pitchFamily="34" charset="-122"/>
+                <a:cs typeface="Roboto" pitchFamily="34" charset="-120"/>
+              </a:rPr>
+              <a:t>the information they are fed.</a:t>
             </a:r>
             <a:endParaRPr lang="en-US" sz="1750" dirty="0"/>
           </a:p>
@@ -2420,7 +2581,45 @@
                 <a:ea typeface="Roboto" pitchFamily="34" charset="-122"/>
                 <a:cs typeface="Roboto" pitchFamily="34" charset="-120"/>
               </a:rPr>
-              <a:t>Machine learning algorithms are designed to improve their performance over time. As they encounter more data, they refine their models and enhance their ability to make accurate predictions.</a:t>
+              <a:t>Machine learning algorithms are designed to improve their </a:t>
+            </a:r>
+          </a:p>
+          <a:p>
+            <a:pPr marL="0" indent="0">
+              <a:lnSpc>
+                <a:spcPts val="2850"/>
+              </a:lnSpc>
+              <a:buNone/>
+            </a:pPr>
+            <a:r>
+              <a:rPr lang="en-US" sz="1750" dirty="0">
+                <a:solidFill>
+                  <a:srgbClr val="D6E5EF"/>
+                </a:solidFill>
+                <a:latin typeface="Roboto" pitchFamily="34" charset="0"/>
+                <a:ea typeface="Roboto" pitchFamily="34" charset="-122"/>
+                <a:cs typeface="Roboto" pitchFamily="34" charset="-120"/>
+              </a:rPr>
+              <a:t>performance over time. As they encounter more data, they refine their models and enhance their ability ,</a:t>
+            </a:r>
+          </a:p>
+          <a:p>
+            <a:pPr marL="0" indent="0">
+              <a:lnSpc>
+                <a:spcPts val="2850"/>
+              </a:lnSpc>
+              <a:buNone/>
+            </a:pPr>
+            <a:r>
+              <a:rPr lang="en-US" sz="1750" dirty="0">
+                <a:solidFill>
+                  <a:srgbClr val="D6E5EF"/>
+                </a:solidFill>
+                <a:latin typeface="Roboto" pitchFamily="34" charset="0"/>
+                <a:ea typeface="Roboto" pitchFamily="34" charset="-122"/>
+                <a:cs typeface="Roboto" pitchFamily="34" charset="-120"/>
+              </a:rPr>
+              <a:t>to make accurate predictions.</a:t>
             </a:r>
             <a:endParaRPr lang="en-US" sz="1750" dirty="0"/>
           </a:p>
@@ -2506,7 +2705,7 @@
         <p:spPr>
           <a:xfrm>
             <a:off x="1020604" y="7748707"/>
-            <a:ext cx="7102793" cy="1088708"/>
+            <a:ext cx="7184350" cy="1088708"/>
           </a:xfrm>
           <a:prstGeom prst="rect">
             <a:avLst/>
@@ -2533,7 +2732,26 @@
                 <a:ea typeface="Roboto" pitchFamily="34" charset="-122"/>
                 <a:cs typeface="Roboto" pitchFamily="34" charset="-120"/>
               </a:rPr>
-              <a:t>Machine learning has applications across various domains, including image recognition, natural language processing, fraud detection, medical diagnosis, and personalized recommendations.</a:t>
+              <a:t>Machine learning has applications across various domains, including </a:t>
+            </a:r>
+          </a:p>
+          <a:p>
+            <a:pPr marL="0" indent="0">
+              <a:lnSpc>
+                <a:spcPts val="2850"/>
+              </a:lnSpc>
+              <a:buNone/>
+            </a:pPr>
+            <a:r>
+              <a:rPr lang="en-US" sz="1750" dirty="0">
+                <a:solidFill>
+                  <a:srgbClr val="D6E5EF"/>
+                </a:solidFill>
+                <a:latin typeface="Roboto" pitchFamily="34" charset="0"/>
+                <a:ea typeface="Roboto" pitchFamily="34" charset="-122"/>
+                <a:cs typeface="Roboto" pitchFamily="34" charset="-120"/>
+              </a:rPr>
+              <a:t>image recognition, natural language processing, fraud detection, medical diagnosis, and personalized recommendations.</a:t>
             </a:r>
             <a:endParaRPr lang="en-US" sz="1750" dirty="0"/>
           </a:p>
@@ -2666,7 +2884,64 @@
                 <a:ea typeface="Roboto" pitchFamily="34" charset="-122"/>
                 <a:cs typeface="Roboto" pitchFamily="34" charset="-120"/>
               </a:rPr>
-              <a:t>Deep learning, a subfield of machine learning, employs artificial neural networks with multiple layers to model complex patterns in data. These networks are inspired by the structure of the human brain, enabling them to learn intricate relationships and make highly accurate predictions.</a:t>
+              <a:t>Deep learning, a subfield of machine learning, employs artificial neural </a:t>
+            </a:r>
+          </a:p>
+          <a:p>
+            <a:pPr marL="0" indent="0">
+              <a:lnSpc>
+                <a:spcPts val="2850"/>
+              </a:lnSpc>
+              <a:buNone/>
+            </a:pPr>
+            <a:r>
+              <a:rPr lang="en-US" sz="1750" dirty="0">
+                <a:solidFill>
+                  <a:srgbClr val="D6E5EF"/>
+                </a:solidFill>
+                <a:latin typeface="Roboto" pitchFamily="34" charset="0"/>
+                <a:ea typeface="Roboto" pitchFamily="34" charset="-122"/>
+                <a:cs typeface="Roboto" pitchFamily="34" charset="-120"/>
+              </a:rPr>
+              <a:t>networks with multiple layers to model complex patterns in data. </a:t>
+            </a:r>
+          </a:p>
+          <a:p>
+            <a:pPr marL="0" indent="0">
+              <a:lnSpc>
+                <a:spcPts val="2850"/>
+              </a:lnSpc>
+              <a:buNone/>
+            </a:pPr>
+            <a:r>
+              <a:rPr lang="en-US" sz="1750" dirty="0">
+                <a:solidFill>
+                  <a:srgbClr val="D6E5EF"/>
+                </a:solidFill>
+                <a:latin typeface="Roboto" pitchFamily="34" charset="0"/>
+                <a:ea typeface="Roboto" pitchFamily="34" charset="-122"/>
+                <a:cs typeface="Roboto" pitchFamily="34" charset="-120"/>
+              </a:rPr>
+              <a:t>These networks are inspired by the structure of the human brain, enabling </a:t>
+            </a:r>
+          </a:p>
+          <a:p>
+            <a:pPr marL="0" indent="0">
+              <a:lnSpc>
+                <a:spcPts val="2850"/>
+              </a:lnSpc>
+              <a:buNone/>
+            </a:pPr>
+            <a:r>
+              <a:rPr lang="en-US" sz="1750" dirty="0">
+                <a:solidFill>
+                  <a:srgbClr val="D6E5EF"/>
+                </a:solidFill>
+                <a:latin typeface="Roboto" pitchFamily="34" charset="0"/>
+                <a:ea typeface="Roboto" pitchFamily="34" charset="-122"/>
+                <a:cs typeface="Roboto" pitchFamily="34" charset="-120"/>
+              </a:rPr>
+              <a:t>them to learn intricate relationships and make highly accurate predictions.</a:t>
             </a:r>
             <a:endParaRPr lang="en-US" sz="1750" dirty="0"/>
           </a:p>
@@ -2794,7 +3069,7 @@
         <p:spPr>
           <a:xfrm>
             <a:off x="1530906" y="4940618"/>
-            <a:ext cx="2927747" cy="2177415"/>
+            <a:ext cx="3154561" cy="2177415"/>
           </a:xfrm>
           <a:prstGeom prst="rect">
             <a:avLst/>
@@ -2821,7 +3096,45 @@
                 <a:ea typeface="Roboto" pitchFamily="34" charset="-122"/>
                 <a:cs typeface="Roboto" pitchFamily="34" charset="-120"/>
               </a:rPr>
-              <a:t>Deep learning utilizes neural networks, which are interconnected nodes organized in layers that process data through a series of computations.</a:t>
+              <a:t>Deep utilizes neural networks, </a:t>
+            </a:r>
+          </a:p>
+          <a:p>
+            <a:pPr marL="0" indent="0">
+              <a:lnSpc>
+                <a:spcPts val="2850"/>
+              </a:lnSpc>
+              <a:buNone/>
+            </a:pPr>
+            <a:r>
+              <a:rPr lang="en-US" sz="1750" dirty="0">
+                <a:solidFill>
+                  <a:srgbClr val="D6E5EF"/>
+                </a:solidFill>
+                <a:latin typeface="Roboto" pitchFamily="34" charset="0"/>
+                <a:ea typeface="Roboto" pitchFamily="34" charset="-122"/>
+                <a:cs typeface="Roboto" pitchFamily="34" charset="-120"/>
+              </a:rPr>
+              <a:t>which are interconnected nodes organized in layers that process data through </a:t>
+            </a:r>
+          </a:p>
+          <a:p>
+            <a:pPr marL="0" indent="0">
+              <a:lnSpc>
+                <a:spcPts val="2850"/>
+              </a:lnSpc>
+              <a:buNone/>
+            </a:pPr>
+            <a:r>
+              <a:rPr lang="en-US" sz="1750" dirty="0">
+                <a:solidFill>
+                  <a:srgbClr val="D6E5EF"/>
+                </a:solidFill>
+                <a:latin typeface="Roboto" pitchFamily="34" charset="0"/>
+                <a:ea typeface="Roboto" pitchFamily="34" charset="-122"/>
+                <a:cs typeface="Roboto" pitchFamily="34" charset="-120"/>
+              </a:rPr>
+              <a:t>a series of computations.</a:t>
             </a:r>
             <a:endParaRPr lang="en-US" sz="1750" dirty="0"/>
           </a:p>
@@ -2976,7 +3289,102 @@
                 <a:ea typeface="Roboto" pitchFamily="34" charset="-122"/>
                 <a:cs typeface="Roboto" pitchFamily="34" charset="-120"/>
               </a:rPr>
-              <a:t>Deep learning excels at extracting hierarchical features from data, enabling it to learn representations that are progressively more abstract and meaningful.</a:t>
+              <a:t>Deep learning excels at</a:t>
+            </a:r>
+          </a:p>
+          <a:p>
+            <a:pPr marL="0" indent="0">
+              <a:lnSpc>
+                <a:spcPts val="2850"/>
+              </a:lnSpc>
+              <a:buNone/>
+            </a:pPr>
+            <a:r>
+              <a:rPr lang="en-US" sz="1750" dirty="0">
+                <a:solidFill>
+                  <a:srgbClr val="D6E5EF"/>
+                </a:solidFill>
+                <a:latin typeface="Roboto" pitchFamily="34" charset="0"/>
+                <a:ea typeface="Roboto" pitchFamily="34" charset="-122"/>
+                <a:cs typeface="Roboto" pitchFamily="34" charset="-120"/>
+              </a:rPr>
+              <a:t>extracting hierarchical </a:t>
+            </a:r>
+          </a:p>
+          <a:p>
+            <a:pPr marL="0" indent="0">
+              <a:lnSpc>
+                <a:spcPts val="2850"/>
+              </a:lnSpc>
+              <a:buNone/>
+            </a:pPr>
+            <a:r>
+              <a:rPr lang="en-US" sz="1750" dirty="0">
+                <a:solidFill>
+                  <a:srgbClr val="D6E5EF"/>
+                </a:solidFill>
+                <a:latin typeface="Roboto" pitchFamily="34" charset="0"/>
+                <a:ea typeface="Roboto" pitchFamily="34" charset="-122"/>
+                <a:cs typeface="Roboto" pitchFamily="34" charset="-120"/>
+              </a:rPr>
+              <a:t>features from data, enabling </a:t>
+            </a:r>
+          </a:p>
+          <a:p>
+            <a:pPr marL="0" indent="0">
+              <a:lnSpc>
+                <a:spcPts val="2850"/>
+              </a:lnSpc>
+              <a:buNone/>
+            </a:pPr>
+            <a:r>
+              <a:rPr lang="en-US" sz="1750" dirty="0">
+                <a:solidFill>
+                  <a:srgbClr val="D6E5EF"/>
+                </a:solidFill>
+                <a:latin typeface="Roboto" pitchFamily="34" charset="0"/>
+                <a:ea typeface="Roboto" pitchFamily="34" charset="-122"/>
+                <a:cs typeface="Roboto" pitchFamily="34" charset="-120"/>
+              </a:rPr>
+              <a:t>it to learn representations </a:t>
+            </a:r>
+          </a:p>
+          <a:p>
+            <a:pPr marL="0" indent="0">
+              <a:lnSpc>
+                <a:spcPts val="2850"/>
+              </a:lnSpc>
+              <a:buNone/>
+            </a:pPr>
+            <a:r>
+              <a:rPr lang="en-US" sz="1750" dirty="0">
+                <a:solidFill>
+                  <a:srgbClr val="D6E5EF"/>
+                </a:solidFill>
+                <a:latin typeface="Roboto" pitchFamily="34" charset="0"/>
+                <a:ea typeface="Roboto" pitchFamily="34" charset="-122"/>
+                <a:cs typeface="Roboto" pitchFamily="34" charset="-120"/>
+              </a:rPr>
+              <a:t>that are progressively more </a:t>
+            </a:r>
+          </a:p>
+          <a:p>
+            <a:pPr marL="0" indent="0">
+              <a:lnSpc>
+                <a:spcPts val="2850"/>
+              </a:lnSpc>
+              <a:buNone/>
+            </a:pPr>
+            <a:r>
+              <a:rPr lang="en-US" sz="1750" dirty="0">
+                <a:solidFill>
+                  <a:srgbClr val="D6E5EF"/>
+                </a:solidFill>
+                <a:latin typeface="Roboto" pitchFamily="34" charset="0"/>
+                <a:ea typeface="Roboto" pitchFamily="34" charset="-122"/>
+                <a:cs typeface="Roboto" pitchFamily="34" charset="-120"/>
+              </a:rPr>
+              <a:t>abstract and meaningful.</a:t>
             </a:r>
             <a:endParaRPr lang="en-US" sz="1750" dirty="0"/>
           </a:p>
@@ -3104,7 +3512,7 @@
         <p:spPr>
           <a:xfrm>
             <a:off x="1530906" y="8444746"/>
-            <a:ext cx="6819305" cy="1088708"/>
+            <a:ext cx="6958186" cy="1088708"/>
           </a:xfrm>
           <a:prstGeom prst="rect">
             <a:avLst/>
@@ -3131,7 +3539,26 @@
                 <a:ea typeface="Roboto" pitchFamily="34" charset="-122"/>
                 <a:cs typeface="Roboto" pitchFamily="34" charset="-120"/>
               </a:rPr>
-              <a:t>Deep learning models have achieved state-of-the-art results in various tasks, such as image recognition, speech recognition, and natural language understanding.</a:t>
+              <a:t>Deep learning models have achieved state-of-the-art results in various tasks, such as image recognition, speech recognition, </a:t>
+            </a:r>
+          </a:p>
+          <a:p>
+            <a:pPr marL="0" indent="0">
+              <a:lnSpc>
+                <a:spcPts val="2850"/>
+              </a:lnSpc>
+              <a:buNone/>
+            </a:pPr>
+            <a:r>
+              <a:rPr lang="en-US" sz="1750" dirty="0">
+                <a:solidFill>
+                  <a:srgbClr val="D6E5EF"/>
+                </a:solidFill>
+                <a:latin typeface="Roboto" pitchFamily="34" charset="0"/>
+                <a:ea typeface="Roboto" pitchFamily="34" charset="-122"/>
+                <a:cs typeface="Roboto" pitchFamily="34" charset="-120"/>
+              </a:rPr>
+              <a:t>and natural language understanding.</a:t>
             </a:r>
             <a:endParaRPr lang="en-US" sz="1750" dirty="0"/>
           </a:p>
@@ -3282,7 +3709,83 @@
                 <a:ea typeface="Roboto" pitchFamily="34" charset="-122"/>
                 <a:cs typeface="Roboto" pitchFamily="34" charset="-120"/>
               </a:rPr>
-              <a:t>Features are the attributes or characteristics of the data that are used to classify the instances. In the case of image recognition, features could include the color, shape, texture, or edges of objects.</a:t>
+              <a:t>Features are the attributes or </a:t>
+            </a:r>
+          </a:p>
+          <a:p>
+            <a:pPr marL="0" indent="0">
+              <a:lnSpc>
+                <a:spcPts val="2850"/>
+              </a:lnSpc>
+              <a:buNone/>
+            </a:pPr>
+            <a:r>
+              <a:rPr lang="en-US" sz="1750" dirty="0">
+                <a:solidFill>
+                  <a:srgbClr val="D6E5EF"/>
+                </a:solidFill>
+                <a:latin typeface="Roboto" pitchFamily="34" charset="0"/>
+                <a:ea typeface="Roboto" pitchFamily="34" charset="-122"/>
+                <a:cs typeface="Roboto" pitchFamily="34" charset="-120"/>
+              </a:rPr>
+              <a:t>characteristics of the data that are used to classify the instances. In the case of </a:t>
+            </a:r>
+          </a:p>
+          <a:p>
+            <a:pPr marL="0" indent="0">
+              <a:lnSpc>
+                <a:spcPts val="2850"/>
+              </a:lnSpc>
+              <a:buNone/>
+            </a:pPr>
+            <a:r>
+              <a:rPr lang="en-US" sz="1750" dirty="0">
+                <a:solidFill>
+                  <a:srgbClr val="D6E5EF"/>
+                </a:solidFill>
+                <a:latin typeface="Roboto" pitchFamily="34" charset="0"/>
+                <a:ea typeface="Roboto" pitchFamily="34" charset="-122"/>
+                <a:cs typeface="Roboto" pitchFamily="34" charset="-120"/>
+              </a:rPr>
+              <a:t>image recognition, features could </a:t>
+            </a:r>
+          </a:p>
+          <a:p>
+            <a:pPr marL="0" indent="0">
+              <a:lnSpc>
+                <a:spcPts val="2850"/>
+              </a:lnSpc>
+              <a:buNone/>
+            </a:pPr>
+            <a:r>
+              <a:rPr lang="en-US" sz="1750" dirty="0">
+                <a:solidFill>
+                  <a:srgbClr val="D6E5EF"/>
+                </a:solidFill>
+                <a:latin typeface="Roboto" pitchFamily="34" charset="0"/>
+                <a:ea typeface="Roboto" pitchFamily="34" charset="-122"/>
+                <a:cs typeface="Roboto" pitchFamily="34" charset="-120"/>
+              </a:rPr>
+              <a:t>include the color, shape, texture, or </a:t>
+            </a:r>
+          </a:p>
+          <a:p>
+            <a:pPr marL="0" indent="0">
+              <a:lnSpc>
+                <a:spcPts val="2850"/>
+              </a:lnSpc>
+              <a:buNone/>
+            </a:pPr>
+            <a:r>
+              <a:rPr lang="en-US" sz="1750" dirty="0">
+                <a:solidFill>
+                  <a:srgbClr val="D6E5EF"/>
+                </a:solidFill>
+                <a:latin typeface="Roboto" pitchFamily="34" charset="0"/>
+                <a:ea typeface="Roboto" pitchFamily="34" charset="-122"/>
+                <a:cs typeface="Roboto" pitchFamily="34" charset="-120"/>
+              </a:rPr>
+              <a:t>edges of objects.</a:t>
             </a:r>
             <a:endParaRPr lang="en-US" sz="1750" dirty="0"/>
           </a:p>
@@ -3366,7 +3869,64 @@
                 <a:ea typeface="Roboto" pitchFamily="34" charset="-122"/>
                 <a:cs typeface="Roboto" pitchFamily="34" charset="-120"/>
               </a:rPr>
-              <a:t>Matplotlib is a popular Python library for creating static, interactive, and animated visualizations. It's commonly used in machine learning for plotting data, visualizing model performance, and understanding patterns.</a:t>
+              <a:t>Matplotlib is a popular Python library for creating static, interactive, and </a:t>
+            </a:r>
+          </a:p>
+          <a:p>
+            <a:pPr marL="0" indent="0">
+              <a:lnSpc>
+                <a:spcPts val="2850"/>
+              </a:lnSpc>
+              <a:buNone/>
+            </a:pPr>
+            <a:r>
+              <a:rPr lang="en-US" sz="1750" dirty="0">
+                <a:solidFill>
+                  <a:srgbClr val="D6E5EF"/>
+                </a:solidFill>
+                <a:latin typeface="Roboto" pitchFamily="34" charset="0"/>
+                <a:ea typeface="Roboto" pitchFamily="34" charset="-122"/>
+                <a:cs typeface="Roboto" pitchFamily="34" charset="-120"/>
+              </a:rPr>
+              <a:t>animated visualizations. It's commonly used in machine learning for plotting </a:t>
+            </a:r>
+          </a:p>
+          <a:p>
+            <a:pPr marL="0" indent="0">
+              <a:lnSpc>
+                <a:spcPts val="2850"/>
+              </a:lnSpc>
+              <a:buNone/>
+            </a:pPr>
+            <a:r>
+              <a:rPr lang="en-US" sz="1750" dirty="0">
+                <a:solidFill>
+                  <a:srgbClr val="D6E5EF"/>
+                </a:solidFill>
+                <a:latin typeface="Roboto" pitchFamily="34" charset="0"/>
+                <a:ea typeface="Roboto" pitchFamily="34" charset="-122"/>
+                <a:cs typeface="Roboto" pitchFamily="34" charset="-120"/>
+              </a:rPr>
+              <a:t>data, visualizing model performance, </a:t>
+            </a:r>
+          </a:p>
+          <a:p>
+            <a:pPr marL="0" indent="0">
+              <a:lnSpc>
+                <a:spcPts val="2850"/>
+              </a:lnSpc>
+              <a:buNone/>
+            </a:pPr>
+            <a:r>
+              <a:rPr lang="en-US" sz="1750" dirty="0">
+                <a:solidFill>
+                  <a:srgbClr val="D6E5EF"/>
+                </a:solidFill>
+                <a:latin typeface="Roboto" pitchFamily="34" charset="0"/>
+                <a:ea typeface="Roboto" pitchFamily="34" charset="-122"/>
+                <a:cs typeface="Roboto" pitchFamily="34" charset="-120"/>
+              </a:rPr>
+              <a:t>and understanding patterns.</a:t>
             </a:r>
             <a:endParaRPr lang="en-US" sz="1750" dirty="0"/>
           </a:p>
@@ -3381,7 +3941,7 @@
         <p:spPr>
           <a:xfrm>
             <a:off x="9872067" y="4642961"/>
-            <a:ext cx="3978116" cy="708660"/>
+            <a:ext cx="4231860" cy="708660"/>
           </a:xfrm>
           <a:prstGeom prst="rect">
             <a:avLst/>
@@ -3450,7 +4010,83 @@
                 <a:ea typeface="Roboto" pitchFamily="34" charset="-122"/>
                 <a:cs typeface="Roboto" pitchFamily="34" charset="-120"/>
               </a:rPr>
-              <a:t>The KNN algorithm is a simple yet effective classification technique. It classifies a new instance based on the majority class of its k nearest neighbors in the feature space.</a:t>
+              <a:t>The KNN algorithm is a simple yet </a:t>
+            </a:r>
+          </a:p>
+          <a:p>
+            <a:pPr marL="0" indent="0">
+              <a:lnSpc>
+                <a:spcPts val="2850"/>
+              </a:lnSpc>
+              <a:buNone/>
+            </a:pPr>
+            <a:r>
+              <a:rPr lang="en-US" sz="1750" dirty="0">
+                <a:solidFill>
+                  <a:srgbClr val="D6E5EF"/>
+                </a:solidFill>
+                <a:latin typeface="Roboto" pitchFamily="34" charset="0"/>
+                <a:ea typeface="Roboto" pitchFamily="34" charset="-122"/>
+                <a:cs typeface="Roboto" pitchFamily="34" charset="-120"/>
+              </a:rPr>
+              <a:t>effective classification technique. </a:t>
+            </a:r>
+          </a:p>
+          <a:p>
+            <a:pPr marL="0" indent="0">
+              <a:lnSpc>
+                <a:spcPts val="2850"/>
+              </a:lnSpc>
+              <a:buNone/>
+            </a:pPr>
+            <a:r>
+              <a:rPr lang="en-US" sz="1750" dirty="0">
+                <a:solidFill>
+                  <a:srgbClr val="D6E5EF"/>
+                </a:solidFill>
+                <a:latin typeface="Roboto" pitchFamily="34" charset="0"/>
+                <a:ea typeface="Roboto" pitchFamily="34" charset="-122"/>
+                <a:cs typeface="Roboto" pitchFamily="34" charset="-120"/>
+              </a:rPr>
+              <a:t>It classifies a new instance based on </a:t>
+            </a:r>
+          </a:p>
+          <a:p>
+            <a:pPr marL="0" indent="0">
+              <a:lnSpc>
+                <a:spcPts val="2850"/>
+              </a:lnSpc>
+              <a:buNone/>
+            </a:pPr>
+            <a:r>
+              <a:rPr lang="en-US" sz="1750" dirty="0">
+                <a:solidFill>
+                  <a:srgbClr val="D6E5EF"/>
+                </a:solidFill>
+                <a:latin typeface="Roboto" pitchFamily="34" charset="0"/>
+                <a:ea typeface="Roboto" pitchFamily="34" charset="-122"/>
+                <a:cs typeface="Roboto" pitchFamily="34" charset="-120"/>
+              </a:rPr>
+              <a:t>the majority class of its k nearest </a:t>
+            </a:r>
+          </a:p>
+          <a:p>
+            <a:pPr marL="0" indent="0">
+              <a:lnSpc>
+                <a:spcPts val="2850"/>
+              </a:lnSpc>
+              <a:buNone/>
+            </a:pPr>
+            <a:r>
+              <a:rPr lang="en-US" sz="1750" dirty="0">
+                <a:solidFill>
+                  <a:srgbClr val="D6E5EF"/>
+                </a:solidFill>
+                <a:latin typeface="Roboto" pitchFamily="34" charset="0"/>
+                <a:ea typeface="Roboto" pitchFamily="34" charset="-122"/>
+                <a:cs typeface="Roboto" pitchFamily="34" charset="-120"/>
+              </a:rPr>
+              <a:t>neighbors in the feature space.</a:t>
             </a:r>
             <a:endParaRPr lang="en-US" sz="1750" dirty="0"/>
           </a:p>
@@ -3940,7 +4576,26 @@
                 <a:ea typeface="Roboto" pitchFamily="34" charset="-122"/>
                 <a:cs typeface="Roboto" pitchFamily="34" charset="-120"/>
               </a:rPr>
-              <a:t>Data preprocessing is an essential step in preparing data for machine learning algorithms. It involves transforming raw data into a suitable format for training and evaluation.</a:t>
+              <a:t>Data preprocessing is an essential step in preparing data for machine learning algorithms. It involves transforming raw data into a </a:t>
+            </a:r>
+          </a:p>
+          <a:p>
+            <a:pPr marL="0" indent="0">
+              <a:lnSpc>
+                <a:spcPts val="2850"/>
+              </a:lnSpc>
+              <a:buNone/>
+            </a:pPr>
+            <a:r>
+              <a:rPr lang="en-US" sz="1750" dirty="0">
+                <a:solidFill>
+                  <a:srgbClr val="D6E5EF"/>
+                </a:solidFill>
+                <a:latin typeface="Roboto" pitchFamily="34" charset="0"/>
+                <a:ea typeface="Roboto" pitchFamily="34" charset="-122"/>
+                <a:cs typeface="Roboto" pitchFamily="34" charset="-120"/>
+              </a:rPr>
+              <a:t>suitable format for training and evaluation.</a:t>
             </a:r>
             <a:endParaRPr lang="en-US" sz="1750" dirty="0"/>
           </a:p>
@@ -4095,7 +4750,102 @@
                 <a:ea typeface="Roboto" pitchFamily="34" charset="-122"/>
                 <a:cs typeface="Roboto" pitchFamily="34" charset="-120"/>
               </a:rPr>
-              <a:t>Sampling bias occurs when the data used to train a model is not representative of the real-world population. This can lead to inaccurate predictions when the model is applied to new data.</a:t>
+              <a:t>Sampling bias occurs when the </a:t>
+            </a:r>
+          </a:p>
+          <a:p>
+            <a:pPr marL="0" indent="0">
+              <a:lnSpc>
+                <a:spcPts val="2850"/>
+              </a:lnSpc>
+              <a:buNone/>
+            </a:pPr>
+            <a:r>
+              <a:rPr lang="en-US" sz="1750" dirty="0">
+                <a:solidFill>
+                  <a:srgbClr val="D6E5EF"/>
+                </a:solidFill>
+                <a:latin typeface="Roboto" pitchFamily="34" charset="0"/>
+                <a:ea typeface="Roboto" pitchFamily="34" charset="-122"/>
+                <a:cs typeface="Roboto" pitchFamily="34" charset="-120"/>
+              </a:rPr>
+              <a:t>data used to train a model is not </a:t>
+            </a:r>
+          </a:p>
+          <a:p>
+            <a:pPr marL="0" indent="0">
+              <a:lnSpc>
+                <a:spcPts val="2850"/>
+              </a:lnSpc>
+              <a:buNone/>
+            </a:pPr>
+            <a:r>
+              <a:rPr lang="en-US" sz="1750" dirty="0">
+                <a:solidFill>
+                  <a:srgbClr val="D6E5EF"/>
+                </a:solidFill>
+                <a:latin typeface="Roboto" pitchFamily="34" charset="0"/>
+                <a:ea typeface="Roboto" pitchFamily="34" charset="-122"/>
+                <a:cs typeface="Roboto" pitchFamily="34" charset="-120"/>
+              </a:rPr>
+              <a:t>representative of the real-world </a:t>
+            </a:r>
+          </a:p>
+          <a:p>
+            <a:pPr marL="0" indent="0">
+              <a:lnSpc>
+                <a:spcPts val="2850"/>
+              </a:lnSpc>
+              <a:buNone/>
+            </a:pPr>
+            <a:r>
+              <a:rPr lang="en-US" sz="1750" dirty="0">
+                <a:solidFill>
+                  <a:srgbClr val="D6E5EF"/>
+                </a:solidFill>
+                <a:latin typeface="Roboto" pitchFamily="34" charset="0"/>
+                <a:ea typeface="Roboto" pitchFamily="34" charset="-122"/>
+                <a:cs typeface="Roboto" pitchFamily="34" charset="-120"/>
+              </a:rPr>
+              <a:t>population. This can lead to </a:t>
+            </a:r>
+          </a:p>
+          <a:p>
+            <a:pPr marL="0" indent="0">
+              <a:lnSpc>
+                <a:spcPts val="2850"/>
+              </a:lnSpc>
+              <a:buNone/>
+            </a:pPr>
+            <a:r>
+              <a:rPr lang="en-US" sz="1750" dirty="0">
+                <a:solidFill>
+                  <a:srgbClr val="D6E5EF"/>
+                </a:solidFill>
+                <a:latin typeface="Roboto" pitchFamily="34" charset="0"/>
+                <a:ea typeface="Roboto" pitchFamily="34" charset="-122"/>
+                <a:cs typeface="Roboto" pitchFamily="34" charset="-120"/>
+              </a:rPr>
+              <a:t>inaccurate predictions when the </a:t>
+            </a:r>
+          </a:p>
+          <a:p>
+            <a:pPr marL="0" indent="0">
+              <a:lnSpc>
+                <a:spcPts val="2850"/>
+              </a:lnSpc>
+              <a:buNone/>
+            </a:pPr>
+            <a:r>
+              <a:rPr lang="en-US" sz="1750" dirty="0">
+                <a:solidFill>
+                  <a:srgbClr val="D6E5EF"/>
+                </a:solidFill>
+                <a:latin typeface="Roboto" pitchFamily="34" charset="0"/>
+                <a:ea typeface="Roboto" pitchFamily="34" charset="-122"/>
+                <a:cs typeface="Roboto" pitchFamily="34" charset="-120"/>
+              </a:rPr>
+              <a:t>model is applied to new data.</a:t>
             </a:r>
             <a:endParaRPr lang="en-US" sz="1750" dirty="0"/>
           </a:p>
@@ -4222,8 +4972,8 @@
         </p:nvSpPr>
         <p:spPr>
           <a:xfrm>
-            <a:off x="5954078" y="7307223"/>
-            <a:ext cx="3459242" cy="2540318"/>
+            <a:off x="5954077" y="7307223"/>
+            <a:ext cx="3686055" cy="2540318"/>
           </a:xfrm>
           <a:prstGeom prst="rect">
             <a:avLst/>
@@ -4250,7 +5000,102 @@
                 <a:ea typeface="Roboto" pitchFamily="34" charset="-122"/>
                 <a:cs typeface="Roboto" pitchFamily="34" charset="-120"/>
               </a:rPr>
-              <a:t>Numpy is a fundamental Python library for numerical computing. It provides powerful tools for creating, manipulating, and operating on arrays, which are essential for machine learning tasks.</a:t>
+              <a:t>Numpy is a fundamental Python</a:t>
+            </a:r>
+          </a:p>
+          <a:p>
+            <a:pPr marL="0" indent="0">
+              <a:lnSpc>
+                <a:spcPts val="2850"/>
+              </a:lnSpc>
+              <a:buNone/>
+            </a:pPr>
+            <a:r>
+              <a:rPr lang="en-US" sz="1750" dirty="0">
+                <a:solidFill>
+                  <a:srgbClr val="D6E5EF"/>
+                </a:solidFill>
+                <a:latin typeface="Roboto" pitchFamily="34" charset="0"/>
+                <a:ea typeface="Roboto" pitchFamily="34" charset="-122"/>
+                <a:cs typeface="Roboto" pitchFamily="34" charset="-120"/>
+              </a:rPr>
+              <a:t> library for numerical computing. </a:t>
+            </a:r>
+          </a:p>
+          <a:p>
+            <a:pPr marL="0" indent="0">
+              <a:lnSpc>
+                <a:spcPts val="2850"/>
+              </a:lnSpc>
+              <a:buNone/>
+            </a:pPr>
+            <a:r>
+              <a:rPr lang="en-US" sz="1750" dirty="0">
+                <a:solidFill>
+                  <a:srgbClr val="D6E5EF"/>
+                </a:solidFill>
+                <a:latin typeface="Roboto" pitchFamily="34" charset="0"/>
+                <a:ea typeface="Roboto" pitchFamily="34" charset="-122"/>
+                <a:cs typeface="Roboto" pitchFamily="34" charset="-120"/>
+              </a:rPr>
+              <a:t>It provides powerful tools for </a:t>
+            </a:r>
+          </a:p>
+          <a:p>
+            <a:pPr marL="0" indent="0">
+              <a:lnSpc>
+                <a:spcPts val="2850"/>
+              </a:lnSpc>
+              <a:buNone/>
+            </a:pPr>
+            <a:r>
+              <a:rPr lang="en-US" sz="1750" dirty="0">
+                <a:solidFill>
+                  <a:srgbClr val="D6E5EF"/>
+                </a:solidFill>
+                <a:latin typeface="Roboto" pitchFamily="34" charset="0"/>
+                <a:ea typeface="Roboto" pitchFamily="34" charset="-122"/>
+                <a:cs typeface="Roboto" pitchFamily="34" charset="-120"/>
+              </a:rPr>
+              <a:t>creating, manipulating, and </a:t>
+            </a:r>
+          </a:p>
+          <a:p>
+            <a:pPr marL="0" indent="0">
+              <a:lnSpc>
+                <a:spcPts val="2850"/>
+              </a:lnSpc>
+              <a:buNone/>
+            </a:pPr>
+            <a:r>
+              <a:rPr lang="en-US" sz="1750" dirty="0">
+                <a:solidFill>
+                  <a:srgbClr val="D6E5EF"/>
+                </a:solidFill>
+                <a:latin typeface="Roboto" pitchFamily="34" charset="0"/>
+                <a:ea typeface="Roboto" pitchFamily="34" charset="-122"/>
+                <a:cs typeface="Roboto" pitchFamily="34" charset="-120"/>
+              </a:rPr>
+              <a:t>operating on arrays, which are </a:t>
+            </a:r>
+          </a:p>
+          <a:p>
+            <a:pPr marL="0" indent="0">
+              <a:lnSpc>
+                <a:spcPts val="2850"/>
+              </a:lnSpc>
+              <a:buNone/>
+            </a:pPr>
+            <a:r>
+              <a:rPr lang="en-US" sz="1750" dirty="0">
+                <a:solidFill>
+                  <a:srgbClr val="D6E5EF"/>
+                </a:solidFill>
+                <a:latin typeface="Roboto" pitchFamily="34" charset="0"/>
+                <a:ea typeface="Roboto" pitchFamily="34" charset="-122"/>
+                <a:cs typeface="Roboto" pitchFamily="34" charset="-120"/>
+              </a:rPr>
+              <a:t>essential for machine learning tasks.</a:t>
             </a:r>
             <a:endParaRPr lang="en-US" sz="1750" dirty="0"/>
           </a:p>
@@ -4405,7 +5250,83 @@
                 <a:ea typeface="Roboto" pitchFamily="34" charset="-122"/>
                 <a:cs typeface="Roboto" pitchFamily="34" charset="-120"/>
               </a:rPr>
-              <a:t>Array indexing allows you to access and manipulate specific elements within a Numpy array. Broadcasting extends operations between arrays of different shapes, simplifying calculations.</a:t>
+              <a:t>Array indexing allows you to </a:t>
+            </a:r>
+          </a:p>
+          <a:p>
+            <a:pPr marL="0" indent="0">
+              <a:lnSpc>
+                <a:spcPts val="2850"/>
+              </a:lnSpc>
+              <a:buNone/>
+            </a:pPr>
+            <a:r>
+              <a:rPr lang="en-US" sz="1750" dirty="0">
+                <a:solidFill>
+                  <a:srgbClr val="D6E5EF"/>
+                </a:solidFill>
+                <a:latin typeface="Roboto" pitchFamily="34" charset="0"/>
+                <a:ea typeface="Roboto" pitchFamily="34" charset="-122"/>
+                <a:cs typeface="Roboto" pitchFamily="34" charset="-120"/>
+              </a:rPr>
+              <a:t>access and manipulate specific </a:t>
+            </a:r>
+          </a:p>
+          <a:p>
+            <a:pPr marL="0" indent="0">
+              <a:lnSpc>
+                <a:spcPts val="2850"/>
+              </a:lnSpc>
+              <a:buNone/>
+            </a:pPr>
+            <a:r>
+              <a:rPr lang="en-US" sz="1750" dirty="0">
+                <a:solidFill>
+                  <a:srgbClr val="D6E5EF"/>
+                </a:solidFill>
+                <a:latin typeface="Roboto" pitchFamily="34" charset="0"/>
+                <a:ea typeface="Roboto" pitchFamily="34" charset="-122"/>
+                <a:cs typeface="Roboto" pitchFamily="34" charset="-120"/>
+              </a:rPr>
+              <a:t>elements within a Numpy array. </a:t>
+            </a:r>
+          </a:p>
+          <a:p>
+            <a:pPr marL="0" indent="0">
+              <a:lnSpc>
+                <a:spcPts val="2850"/>
+              </a:lnSpc>
+              <a:buNone/>
+            </a:pPr>
+            <a:r>
+              <a:rPr lang="en-US" sz="1750" dirty="0">
+                <a:solidFill>
+                  <a:srgbClr val="D6E5EF"/>
+                </a:solidFill>
+                <a:latin typeface="Roboto" pitchFamily="34" charset="0"/>
+                <a:ea typeface="Roboto" pitchFamily="34" charset="-122"/>
+                <a:cs typeface="Roboto" pitchFamily="34" charset="-120"/>
+              </a:rPr>
+              <a:t>Broadcasting extends operations</a:t>
+            </a:r>
+          </a:p>
+          <a:p>
+            <a:pPr marL="0" indent="0">
+              <a:lnSpc>
+                <a:spcPts val="2850"/>
+              </a:lnSpc>
+              <a:buNone/>
+            </a:pPr>
+            <a:r>
+              <a:rPr lang="en-US" sz="1750" dirty="0">
+                <a:solidFill>
+                  <a:srgbClr val="D6E5EF"/>
+                </a:solidFill>
+                <a:latin typeface="Roboto" pitchFamily="34" charset="0"/>
+                <a:ea typeface="Roboto" pitchFamily="34" charset="-122"/>
+                <a:cs typeface="Roboto" pitchFamily="34" charset="-120"/>
+              </a:rPr>
+              <a:t>between arrays of different shapes, simplifying calculations.</a:t>
             </a:r>
             <a:endParaRPr lang="en-US" sz="1750" dirty="0"/>
           </a:p>
@@ -4727,7 +5648,26 @@
                 <a:ea typeface="Roboto" pitchFamily="34" charset="-122"/>
                 <a:cs typeface="Roboto" pitchFamily="34" charset="-120"/>
               </a:rPr>
-              <a:t>Linear regression models the relationship between features and the target variable as a linear equation. It finds the best-fitting line that minimizes the difference between predicted and actual values.</a:t>
+              <a:t>Linear regression models the relationship between features and the target variable as a linear equation. It finds the best-fitting line that minimizes the difference between predicted and </a:t>
+            </a:r>
+          </a:p>
+          <a:p>
+            <a:pPr marL="0" indent="0" algn="l">
+              <a:lnSpc>
+                <a:spcPts val="1900"/>
+              </a:lnSpc>
+              <a:buNone/>
+            </a:pPr>
+            <a:r>
+              <a:rPr lang="en-US" sz="1200" dirty="0">
+                <a:solidFill>
+                  <a:srgbClr val="D6E5EF"/>
+                </a:solidFill>
+                <a:latin typeface="Roboto" pitchFamily="34" charset="0"/>
+                <a:ea typeface="Roboto" pitchFamily="34" charset="-122"/>
+                <a:cs typeface="Roboto" pitchFamily="34" charset="-120"/>
+              </a:rPr>
+              <a:t>actual values.</a:t>
             </a:r>
             <a:endParaRPr lang="en-US" sz="1200" dirty="0"/>
           </a:p>
@@ -5815,7 +6755,45 @@
                 <a:ea typeface="Roboto" pitchFamily="34" charset="-122"/>
                 <a:cs typeface="Roboto" pitchFamily="34" charset="-120"/>
               </a:rPr>
-              <a:t>Overfitting occurs when the model learns the training data too well, leading to poor performance on unseen data. Underfitting occurs when the model is too simple and doesn't capture the underlying patterns in the data.</a:t>
+              <a:t>Overfitting occurs when the model learns the training data too well, leading to poor </a:t>
+            </a:r>
+          </a:p>
+          <a:p>
+            <a:pPr marL="0" indent="0">
+              <a:lnSpc>
+                <a:spcPts val="1900"/>
+              </a:lnSpc>
+              <a:buNone/>
+            </a:pPr>
+            <a:r>
+              <a:rPr lang="en-US" sz="1200" dirty="0">
+                <a:solidFill>
+                  <a:srgbClr val="D6E5EF"/>
+                </a:solidFill>
+                <a:latin typeface="Roboto" pitchFamily="34" charset="0"/>
+                <a:ea typeface="Roboto" pitchFamily="34" charset="-122"/>
+                <a:cs typeface="Roboto" pitchFamily="34" charset="-120"/>
+              </a:rPr>
+              <a:t>performance on unseen data. Underfitting occurs when the model is too simple and </a:t>
+            </a:r>
+          </a:p>
+          <a:p>
+            <a:pPr marL="0" indent="0">
+              <a:lnSpc>
+                <a:spcPts val="1900"/>
+              </a:lnSpc>
+              <a:buNone/>
+            </a:pPr>
+            <a:r>
+              <a:rPr lang="en-US" sz="1200" dirty="0">
+                <a:solidFill>
+                  <a:srgbClr val="D6E5EF"/>
+                </a:solidFill>
+                <a:latin typeface="Roboto" pitchFamily="34" charset="0"/>
+                <a:ea typeface="Roboto" pitchFamily="34" charset="-122"/>
+                <a:cs typeface="Roboto" pitchFamily="34" charset="-120"/>
+              </a:rPr>
+              <a:t>doesn't capture the underlying patterns in the data.</a:t>
             </a:r>
             <a:endParaRPr lang="en-US" sz="1200" dirty="0"/>
           </a:p>
@@ -5970,7 +6948,26 @@
                 <a:ea typeface="Roboto" pitchFamily="34" charset="-122"/>
                 <a:cs typeface="Roboto" pitchFamily="34" charset="-120"/>
               </a:rPr>
-              <a:t>Represents the strength and direction of the relationship between a feature and the target variable.</a:t>
+              <a:t>Represents the strength and direction of the relationship between a feature and the target </a:t>
+            </a:r>
+          </a:p>
+          <a:p>
+            <a:pPr marL="0" indent="0">
+              <a:lnSpc>
+                <a:spcPts val="1900"/>
+              </a:lnSpc>
+              <a:buNone/>
+            </a:pPr>
+            <a:r>
+              <a:rPr lang="en-US" sz="1200" dirty="0">
+                <a:solidFill>
+                  <a:srgbClr val="D6E5EF"/>
+                </a:solidFill>
+                <a:latin typeface="Roboto" pitchFamily="34" charset="0"/>
+                <a:ea typeface="Roboto" pitchFamily="34" charset="-122"/>
+                <a:cs typeface="Roboto" pitchFamily="34" charset="-120"/>
+              </a:rPr>
+              <a:t>variable.</a:t>
             </a:r>
             <a:endParaRPr lang="en-US" sz="1200" dirty="0"/>
           </a:p>
@@ -6125,7 +7122,26 @@
                 <a:ea typeface="Roboto" pitchFamily="34" charset="-122"/>
                 <a:cs typeface="Roboto" pitchFamily="34" charset="-120"/>
               </a:rPr>
-              <a:t>A parameter that is not learned by the model but is set before training, such as the regularization strength in Ridge or Lasso regression.</a:t>
+              <a:t>A parameter that is not learned by the model but is set before training, such as the </a:t>
+            </a:r>
+          </a:p>
+          <a:p>
+            <a:pPr marL="0" indent="0">
+              <a:lnSpc>
+                <a:spcPts val="1900"/>
+              </a:lnSpc>
+              <a:buNone/>
+            </a:pPr>
+            <a:r>
+              <a:rPr lang="en-US" sz="1200" dirty="0">
+                <a:solidFill>
+                  <a:srgbClr val="D6E5EF"/>
+                </a:solidFill>
+                <a:latin typeface="Roboto" pitchFamily="34" charset="0"/>
+                <a:ea typeface="Roboto" pitchFamily="34" charset="-122"/>
+                <a:cs typeface="Roboto" pitchFamily="34" charset="-120"/>
+              </a:rPr>
+              <a:t>regularization strength in Ridge or Lasso regression.</a:t>
             </a:r>
             <a:endParaRPr lang="en-US" sz="1200" dirty="0"/>
           </a:p>
@@ -6863,7 +7879,26 @@
                 <a:ea typeface="Roboto" pitchFamily="34" charset="-122"/>
                 <a:cs typeface="Roboto" pitchFamily="34" charset="-120"/>
               </a:rPr>
-              <a:t>A mathematical function that squashes the output of a linear model to a range between 0 and 1, representing probabilities.</a:t>
+              <a:t>A mathematical function that squashes the output of a linear model to a range between 0 and 1, </a:t>
+            </a:r>
+          </a:p>
+          <a:p>
+            <a:pPr marL="0" indent="0">
+              <a:lnSpc>
+                <a:spcPts val="1700"/>
+              </a:lnSpc>
+              <a:buNone/>
+            </a:pPr>
+            <a:r>
+              <a:rPr lang="en-US" sz="1050" dirty="0">
+                <a:solidFill>
+                  <a:srgbClr val="D6E5EF"/>
+                </a:solidFill>
+                <a:latin typeface="Roboto" pitchFamily="34" charset="0"/>
+                <a:ea typeface="Roboto" pitchFamily="34" charset="-122"/>
+                <a:cs typeface="Roboto" pitchFamily="34" charset="-120"/>
+              </a:rPr>
+              <a:t>representing probabilities.</a:t>
             </a:r>
             <a:endParaRPr lang="en-US" sz="1050" dirty="0"/>
           </a:p>
@@ -7018,7 +8053,26 @@
                 <a:ea typeface="Roboto" pitchFamily="34" charset="-122"/>
                 <a:cs typeface="Roboto" pitchFamily="34" charset="-120"/>
               </a:rPr>
-              <a:t>A technique used to select specific elements from an array based on a condition. It's helpful for filtering data and creating subsets.</a:t>
+              <a:t>A technique used to select specific elements from an array based on a condition. It's helpful for filtering</a:t>
+            </a:r>
+          </a:p>
+          <a:p>
+            <a:pPr marL="0" indent="0">
+              <a:lnSpc>
+                <a:spcPts val="1700"/>
+              </a:lnSpc>
+              <a:buNone/>
+            </a:pPr>
+            <a:r>
+              <a:rPr lang="en-US" sz="1050" dirty="0">
+                <a:solidFill>
+                  <a:srgbClr val="D6E5EF"/>
+                </a:solidFill>
+                <a:latin typeface="Roboto" pitchFamily="34" charset="0"/>
+                <a:ea typeface="Roboto" pitchFamily="34" charset="-122"/>
+                <a:cs typeface="Roboto" pitchFamily="34" charset="-120"/>
+              </a:rPr>
+              <a:t>data and creating subsets.</a:t>
             </a:r>
             <a:endParaRPr lang="en-US" sz="1050" dirty="0"/>
           </a:p>
@@ -7638,7 +8692,26 @@
                 <a:ea typeface="Roboto" pitchFamily="34" charset="-122"/>
                 <a:cs typeface="Roboto" pitchFamily="34" charset="-120"/>
               </a:rPr>
-              <a:t>A common loss function for logistic regression, which measures the difference between predicted and actual probabilities.</a:t>
+              <a:t>A common loss function for logistic regression, which measures the difference between predicted and </a:t>
+            </a:r>
+          </a:p>
+          <a:p>
+            <a:pPr marL="0" indent="0">
+              <a:lnSpc>
+                <a:spcPts val="1700"/>
+              </a:lnSpc>
+              <a:buNone/>
+            </a:pPr>
+            <a:r>
+              <a:rPr lang="en-US" sz="1050" dirty="0">
+                <a:solidFill>
+                  <a:srgbClr val="D6E5EF"/>
+                </a:solidFill>
+                <a:latin typeface="Roboto" pitchFamily="34" charset="0"/>
+                <a:ea typeface="Roboto" pitchFamily="34" charset="-122"/>
+                <a:cs typeface="Roboto" pitchFamily="34" charset="-120"/>
+              </a:rPr>
+              <a:t>actual probabilities.</a:t>
             </a:r>
             <a:endParaRPr lang="en-US" sz="1050" dirty="0"/>
           </a:p>
@@ -7793,7 +8866,26 @@
                 <a:ea typeface="Roboto" pitchFamily="34" charset="-122"/>
                 <a:cs typeface="Roboto" pitchFamily="34" charset="-120"/>
               </a:rPr>
-              <a:t>A widely used loss function for multi-class classification, measuring the difference between the predicted and true probability distributions.</a:t>
+              <a:t>A widely used loss function for multi-class classification, measuring the difference between the predicted</a:t>
+            </a:r>
+          </a:p>
+          <a:p>
+            <a:pPr marL="0" indent="0">
+              <a:lnSpc>
+                <a:spcPts val="1700"/>
+              </a:lnSpc>
+              <a:buNone/>
+            </a:pPr>
+            <a:r>
+              <a:rPr lang="en-US" sz="1050" dirty="0">
+                <a:solidFill>
+                  <a:srgbClr val="D6E5EF"/>
+                </a:solidFill>
+                <a:latin typeface="Roboto" pitchFamily="34" charset="0"/>
+                <a:ea typeface="Roboto" pitchFamily="34" charset="-122"/>
+                <a:cs typeface="Roboto" pitchFamily="34" charset="-120"/>
+              </a:rPr>
+              <a:t>and true probability distributions.</a:t>
             </a:r>
             <a:endParaRPr lang="en-US" sz="1050" dirty="0"/>
           </a:p>
@@ -7948,7 +9040,26 @@
                 <a:ea typeface="Roboto" pitchFamily="34" charset="-122"/>
                 <a:cs typeface="Roboto" pitchFamily="34" charset="-120"/>
               </a:rPr>
-              <a:t>A loss function commonly used in support vector machines (SVMs), which penalizes misclassified instances and encourages a large margin between classes.</a:t>
+              <a:t>A loss function commonly used in support vector machines (SVMs), which penalizes misclassified </a:t>
+            </a:r>
+          </a:p>
+          <a:p>
+            <a:pPr marL="0" indent="0">
+              <a:lnSpc>
+                <a:spcPts val="1700"/>
+              </a:lnSpc>
+              <a:buNone/>
+            </a:pPr>
+            <a:r>
+              <a:rPr lang="en-US" sz="1050" dirty="0">
+                <a:solidFill>
+                  <a:srgbClr val="D6E5EF"/>
+                </a:solidFill>
+                <a:latin typeface="Roboto" pitchFamily="34" charset="0"/>
+                <a:ea typeface="Roboto" pitchFamily="34" charset="-122"/>
+                <a:cs typeface="Roboto" pitchFamily="34" charset="-120"/>
+              </a:rPr>
+              <a:t>instances and encourages a large margin between classes.</a:t>
             </a:r>
             <a:endParaRPr lang="en-US" sz="1050" dirty="0"/>
           </a:p>
